--- a/tippy toes - 3d RG.pptx
+++ b/tippy toes - 3d RG.pptx
@@ -6486,6 +6486,50 @@
           </a:p>
         </p:txBody>
       </p:sp>
+      <p:pic>
+        <p:nvPicPr>
+          <p:cNvPr id="4" name="Slika 3"/>
+          <p:cNvPicPr/>
+          <p:nvPr/>
+        </p:nvPicPr>
+        <p:blipFill>
+          <a:blip r:embed="rId2"/>
+          <a:stretch>
+            <a:fillRect/>
+          </a:stretch>
+        </p:blipFill>
+        <p:spPr>
+          <a:xfrm>
+            <a:off x="7511687" y="2988674"/>
+            <a:ext cx="2324100" cy="1333500"/>
+          </a:xfrm>
+          <a:prstGeom prst="rect">
+            <a:avLst/>
+          </a:prstGeom>
+        </p:spPr>
+      </p:pic>
+      <p:pic>
+        <p:nvPicPr>
+          <p:cNvPr id="5" name="Slika 4"/>
+          <p:cNvPicPr/>
+          <p:nvPr/>
+        </p:nvPicPr>
+        <p:blipFill>
+          <a:blip r:embed="rId3"/>
+          <a:stretch>
+            <a:fillRect/>
+          </a:stretch>
+        </p:blipFill>
+        <p:spPr>
+          <a:xfrm>
+            <a:off x="10063026" y="3518536"/>
+            <a:ext cx="1777637" cy="3265170"/>
+          </a:xfrm>
+          <a:prstGeom prst="rect">
+            <a:avLst/>
+          </a:prstGeom>
+        </p:spPr>
+      </p:pic>
     </p:spTree>
     <p:extLst>
       <p:ext uri="{BB962C8B-B14F-4D97-AF65-F5344CB8AC3E}">
@@ -7231,7 +7275,7 @@
       </p:pic>
       <p:pic>
         <p:nvPicPr>
-          <p:cNvPr id="4" name="Slika 3"/>
+          <p:cNvPr id="5" name="Slika 4"/>
           <p:cNvPicPr>
             <a:picLocks noChangeAspect="1"/>
           </p:cNvPicPr>
@@ -7239,30 +7283,6 @@
         </p:nvPicPr>
         <p:blipFill>
           <a:blip r:embed="rId4"/>
-          <a:stretch>
-            <a:fillRect/>
-          </a:stretch>
-        </p:blipFill>
-        <p:spPr>
-          <a:xfrm>
-            <a:off x="85436" y="598424"/>
-            <a:ext cx="3627582" cy="1596136"/>
-          </a:xfrm>
-          <a:prstGeom prst="rect">
-            <a:avLst/>
-          </a:prstGeom>
-        </p:spPr>
-      </p:pic>
-      <p:pic>
-        <p:nvPicPr>
-          <p:cNvPr id="5" name="Slika 4"/>
-          <p:cNvPicPr>
-            <a:picLocks noChangeAspect="1"/>
-          </p:cNvPicPr>
-          <p:nvPr/>
-        </p:nvPicPr>
-        <p:blipFill>
-          <a:blip r:embed="rId5"/>
           <a:stretch>
             <a:fillRect/>
           </a:stretch>
@@ -7727,6 +7747,30 @@
           </a:p>
         </p:txBody>
       </p:sp>
+      <p:pic>
+        <p:nvPicPr>
+          <p:cNvPr id="4" name="Slika 3"/>
+          <p:cNvPicPr>
+            <a:picLocks noChangeAspect="1"/>
+          </p:cNvPicPr>
+          <p:nvPr/>
+        </p:nvPicPr>
+        <p:blipFill>
+          <a:blip r:embed="rId2"/>
+          <a:stretch>
+            <a:fillRect/>
+          </a:stretch>
+        </p:blipFill>
+        <p:spPr>
+          <a:xfrm>
+            <a:off x="3882373" y="5161716"/>
+            <a:ext cx="3627582" cy="1596136"/>
+          </a:xfrm>
+          <a:prstGeom prst="rect">
+            <a:avLst/>
+          </a:prstGeom>
+        </p:spPr>
+      </p:pic>
     </p:spTree>
     <p:extLst>
       <p:ext uri="{BB962C8B-B14F-4D97-AF65-F5344CB8AC3E}">
